--- a/slides/Curso BD.pptx
+++ b/slides/Curso BD.pptx
@@ -18952,7 +18952,9 @@
         </p:nvSpPr>
         <p:spPr/>
         <p:txBody>
-          <a:bodyPr/>
+          <a:bodyPr>
+            <a:normAutofit lnSpcReduction="10000"/>
+          </a:bodyPr>
           <a:lstStyle/>
           <a:p>
             <a:r>
@@ -18992,6 +18994,27 @@
             <a:r>
               <a:rPr lang="pt-BR" dirty="0"/>
               <a:t>Transações</a:t>
+            </a:r>
+          </a:p>
+          <a:p>
+            <a:pPr lvl="1"/>
+            <a:r>
+              <a:rPr lang="pt-BR" dirty="0"/>
+              <a:t>Aprovar Credito</a:t>
+            </a:r>
+          </a:p>
+          <a:p>
+            <a:pPr lvl="1"/>
+            <a:r>
+              <a:rPr lang="pt-BR" dirty="0"/>
+              <a:t>Registrar Pagamento</a:t>
+            </a:r>
+          </a:p>
+          <a:p>
+            <a:pPr lvl="1"/>
+            <a:r>
+              <a:rPr lang="pt-BR" dirty="0"/>
+              <a:t>Registrar Atrasos</a:t>
             </a:r>
           </a:p>
           <a:p>
@@ -19165,7 +19188,7 @@
             <a:pPr lvl="1"/>
             <a:r>
               <a:rPr lang="en-BR" dirty="0"/>
-              <a:t>DDL</a:t>
+              <a:t>DDL – Data Definition Language</a:t>
             </a:r>
           </a:p>
           <a:p>
@@ -19183,10 +19206,17 @@
             </a:r>
           </a:p>
           <a:p>
+            <a:pPr lvl="2"/>
+            <a:r>
+              <a:rPr lang="en-BR" dirty="0"/>
+              <a:t>TIPOS DE DADOS</a:t>
+            </a:r>
+          </a:p>
+          <a:p>
             <a:pPr lvl="1"/>
             <a:r>
               <a:rPr lang="en-BR" dirty="0"/>
-              <a:t>DML</a:t>
+              <a:t>DML – Data Manipulation Language</a:t>
             </a:r>
           </a:p>
           <a:p>
